--- a/docs/img/icon.pptx
+++ b/docs/img/icon.pptx
@@ -6,6 +6,7 @@
   </p:sldMasterIdLst>
   <p:sldIdLst>
     <p:sldId id="256" r:id="rId2"/>
+    <p:sldId id="257" r:id="rId3"/>
   </p:sldIdLst>
   <p:sldSz cx="6858000" cy="6858000"/>
   <p:notesSz cx="6858000" cy="9144000"/>
@@ -104,6 +105,11 @@
       </a:defRPr>
     </a:lvl9pPr>
   </p:defaultTextStyle>
+  <p:extLst>
+    <p:ext uri="{EFAFB233-063F-42B5-8137-9DF3F51BA10A}">
+      <p15:sldGuideLst xmlns:p15="http://schemas.microsoft.com/office/powerpoint/2012/main"/>
+    </p:ext>
+  </p:extLst>
 </p:presentation>
 </file>
 
@@ -238,7 +244,7 @@
           <a:p>
             <a:fld id="{E22BAAF1-9023-4196-882B-DE3CB718BF0A}" type="datetimeFigureOut">
               <a:rPr lang="en-US" smtClean="0"/>
-              <a:t>1/7/2021</a:t>
+              <a:t>1/8/2021</a:t>
             </a:fld>
             <a:endParaRPr lang="en-US"/>
           </a:p>
@@ -408,7 +414,7 @@
           <a:p>
             <a:fld id="{E22BAAF1-9023-4196-882B-DE3CB718BF0A}" type="datetimeFigureOut">
               <a:rPr lang="en-US" smtClean="0"/>
-              <a:t>1/7/2021</a:t>
+              <a:t>1/8/2021</a:t>
             </a:fld>
             <a:endParaRPr lang="en-US"/>
           </a:p>
@@ -588,7 +594,7 @@
           <a:p>
             <a:fld id="{E22BAAF1-9023-4196-882B-DE3CB718BF0A}" type="datetimeFigureOut">
               <a:rPr lang="en-US" smtClean="0"/>
-              <a:t>1/7/2021</a:t>
+              <a:t>1/8/2021</a:t>
             </a:fld>
             <a:endParaRPr lang="en-US"/>
           </a:p>
@@ -758,7 +764,7 @@
           <a:p>
             <a:fld id="{E22BAAF1-9023-4196-882B-DE3CB718BF0A}" type="datetimeFigureOut">
               <a:rPr lang="en-US" smtClean="0"/>
-              <a:t>1/7/2021</a:t>
+              <a:t>1/8/2021</a:t>
             </a:fld>
             <a:endParaRPr lang="en-US"/>
           </a:p>
@@ -1002,7 +1008,7 @@
           <a:p>
             <a:fld id="{E22BAAF1-9023-4196-882B-DE3CB718BF0A}" type="datetimeFigureOut">
               <a:rPr lang="en-US" smtClean="0"/>
-              <a:t>1/7/2021</a:t>
+              <a:t>1/8/2021</a:t>
             </a:fld>
             <a:endParaRPr lang="en-US"/>
           </a:p>
@@ -1234,7 +1240,7 @@
           <a:p>
             <a:fld id="{E22BAAF1-9023-4196-882B-DE3CB718BF0A}" type="datetimeFigureOut">
               <a:rPr lang="en-US" smtClean="0"/>
-              <a:t>1/7/2021</a:t>
+              <a:t>1/8/2021</a:t>
             </a:fld>
             <a:endParaRPr lang="en-US"/>
           </a:p>
@@ -1601,7 +1607,7 @@
           <a:p>
             <a:fld id="{E22BAAF1-9023-4196-882B-DE3CB718BF0A}" type="datetimeFigureOut">
               <a:rPr lang="en-US" smtClean="0"/>
-              <a:t>1/7/2021</a:t>
+              <a:t>1/8/2021</a:t>
             </a:fld>
             <a:endParaRPr lang="en-US"/>
           </a:p>
@@ -1719,7 +1725,7 @@
           <a:p>
             <a:fld id="{E22BAAF1-9023-4196-882B-DE3CB718BF0A}" type="datetimeFigureOut">
               <a:rPr lang="en-US" smtClean="0"/>
-              <a:t>1/7/2021</a:t>
+              <a:t>1/8/2021</a:t>
             </a:fld>
             <a:endParaRPr lang="en-US"/>
           </a:p>
@@ -1814,7 +1820,7 @@
           <a:p>
             <a:fld id="{E22BAAF1-9023-4196-882B-DE3CB718BF0A}" type="datetimeFigureOut">
               <a:rPr lang="en-US" smtClean="0"/>
-              <a:t>1/7/2021</a:t>
+              <a:t>1/8/2021</a:t>
             </a:fld>
             <a:endParaRPr lang="en-US"/>
           </a:p>
@@ -2091,7 +2097,7 @@
           <a:p>
             <a:fld id="{E22BAAF1-9023-4196-882B-DE3CB718BF0A}" type="datetimeFigureOut">
               <a:rPr lang="en-US" smtClean="0"/>
-              <a:t>1/7/2021</a:t>
+              <a:t>1/8/2021</a:t>
             </a:fld>
             <a:endParaRPr lang="en-US"/>
           </a:p>
@@ -2348,7 +2354,7 @@
           <a:p>
             <a:fld id="{E22BAAF1-9023-4196-882B-DE3CB718BF0A}" type="datetimeFigureOut">
               <a:rPr lang="en-US" smtClean="0"/>
-              <a:t>1/7/2021</a:t>
+              <a:t>1/8/2021</a:t>
             </a:fld>
             <a:endParaRPr lang="en-US"/>
           </a:p>
@@ -2561,7 +2567,7 @@
           <a:p>
             <a:fld id="{E22BAAF1-9023-4196-882B-DE3CB718BF0A}" type="datetimeFigureOut">
               <a:rPr lang="en-US" smtClean="0"/>
-              <a:t>1/7/2021</a:t>
+              <a:t>1/8/2021</a:t>
             </a:fld>
             <a:endParaRPr lang="en-US"/>
           </a:p>
@@ -3091,6 +3097,94 @@
 </p:sld>
 </file>
 
+<file path=ppt/slides/slide2.xml><?xml version="1.0" encoding="utf-8"?>
+<p:sld xmlns:a="http://schemas.openxmlformats.org/drawingml/2006/main" xmlns:r="http://schemas.openxmlformats.org/officeDocument/2006/relationships" xmlns:p="http://schemas.openxmlformats.org/presentationml/2006/main">
+  <p:cSld>
+    <p:spTree>
+      <p:nvGrpSpPr>
+        <p:cNvPr id="1" name=""/>
+        <p:cNvGrpSpPr/>
+        <p:nvPr/>
+      </p:nvGrpSpPr>
+      <p:grpSpPr>
+        <a:xfrm>
+          <a:off x="0" y="0"/>
+          <a:ext cx="0" cy="0"/>
+          <a:chOff x="0" y="0"/>
+          <a:chExt cx="0" cy="0"/>
+        </a:xfrm>
+      </p:grpSpPr>
+      <p:sp>
+        <p:nvSpPr>
+          <p:cNvPr id="3" name="Rounded Rectangle 2"/>
+          <p:cNvSpPr/>
+          <p:nvPr/>
+        </p:nvSpPr>
+        <p:spPr>
+          <a:xfrm>
+            <a:off x="432262" y="581890"/>
+            <a:ext cx="6359237" cy="5253646"/>
+          </a:xfrm>
+          <a:prstGeom prst="roundRect">
+            <a:avLst>
+              <a:gd name="adj" fmla="val 10385"/>
+            </a:avLst>
+          </a:prstGeom>
+          <a:blipFill>
+            <a:blip r:embed="rId2"/>
+            <a:stretch>
+              <a:fillRect/>
+            </a:stretch>
+          </a:blipFill>
+          <a:ln>
+            <a:noFill/>
+          </a:ln>
+          <a:effectLst>
+            <a:outerShdw blurRad="304800" dist="127000" dir="13500000" algn="br" rotWithShape="0">
+              <a:prstClr val="black">
+                <a:alpha val="40000"/>
+              </a:prstClr>
+            </a:outerShdw>
+          </a:effectLst>
+        </p:spPr>
+        <p:style>
+          <a:lnRef idx="2">
+            <a:schemeClr val="accent1">
+              <a:shade val="50000"/>
+            </a:schemeClr>
+          </a:lnRef>
+          <a:fillRef idx="1">
+            <a:schemeClr val="accent1"/>
+          </a:fillRef>
+          <a:effectRef idx="0">
+            <a:schemeClr val="accent1"/>
+          </a:effectRef>
+          <a:fontRef idx="minor">
+            <a:schemeClr val="lt1"/>
+          </a:fontRef>
+        </p:style>
+        <p:txBody>
+          <a:bodyPr rtlCol="0" anchor="ctr"/>
+          <a:lstStyle/>
+          <a:p>
+            <a:pPr algn="ctr"/>
+            <a:endParaRPr lang="en-US"/>
+          </a:p>
+        </p:txBody>
+      </p:sp>
+    </p:spTree>
+    <p:extLst>
+      <p:ext uri="{BB962C8B-B14F-4D97-AF65-F5344CB8AC3E}">
+        <p14:creationId xmlns:p14="http://schemas.microsoft.com/office/powerpoint/2010/main" val="1989237353"/>
+      </p:ext>
+    </p:extLst>
+  </p:cSld>
+  <p:clrMapOvr>
+    <a:masterClrMapping/>
+  </p:clrMapOvr>
+</p:sld>
+</file>
+
 <file path=ppt/theme/theme1.xml><?xml version="1.0" encoding="utf-8"?>
 <a:theme xmlns:a="http://schemas.openxmlformats.org/drawingml/2006/main" name="Office Theme">
   <a:themeElements>

--- a/docs/img/icon.pptx
+++ b/docs/img/icon.pptx
@@ -7,6 +7,7 @@
   <p:sldIdLst>
     <p:sldId id="256" r:id="rId2"/>
     <p:sldId id="257" r:id="rId3"/>
+    <p:sldId id="258" r:id="rId4"/>
   </p:sldIdLst>
   <p:sldSz cx="6858000" cy="6858000"/>
   <p:notesSz cx="6858000" cy="9144000"/>
@@ -244,7 +245,7 @@
           <a:p>
             <a:fld id="{E22BAAF1-9023-4196-882B-DE3CB718BF0A}" type="datetimeFigureOut">
               <a:rPr lang="en-US" smtClean="0"/>
-              <a:t>1/8/2021</a:t>
+              <a:t>1/11/2021</a:t>
             </a:fld>
             <a:endParaRPr lang="en-US"/>
           </a:p>
@@ -414,7 +415,7 @@
           <a:p>
             <a:fld id="{E22BAAF1-9023-4196-882B-DE3CB718BF0A}" type="datetimeFigureOut">
               <a:rPr lang="en-US" smtClean="0"/>
-              <a:t>1/8/2021</a:t>
+              <a:t>1/11/2021</a:t>
             </a:fld>
             <a:endParaRPr lang="en-US"/>
           </a:p>
@@ -594,7 +595,7 @@
           <a:p>
             <a:fld id="{E22BAAF1-9023-4196-882B-DE3CB718BF0A}" type="datetimeFigureOut">
               <a:rPr lang="en-US" smtClean="0"/>
-              <a:t>1/8/2021</a:t>
+              <a:t>1/11/2021</a:t>
             </a:fld>
             <a:endParaRPr lang="en-US"/>
           </a:p>
@@ -764,7 +765,7 @@
           <a:p>
             <a:fld id="{E22BAAF1-9023-4196-882B-DE3CB718BF0A}" type="datetimeFigureOut">
               <a:rPr lang="en-US" smtClean="0"/>
-              <a:t>1/8/2021</a:t>
+              <a:t>1/11/2021</a:t>
             </a:fld>
             <a:endParaRPr lang="en-US"/>
           </a:p>
@@ -1008,7 +1009,7 @@
           <a:p>
             <a:fld id="{E22BAAF1-9023-4196-882B-DE3CB718BF0A}" type="datetimeFigureOut">
               <a:rPr lang="en-US" smtClean="0"/>
-              <a:t>1/8/2021</a:t>
+              <a:t>1/11/2021</a:t>
             </a:fld>
             <a:endParaRPr lang="en-US"/>
           </a:p>
@@ -1240,7 +1241,7 @@
           <a:p>
             <a:fld id="{E22BAAF1-9023-4196-882B-DE3CB718BF0A}" type="datetimeFigureOut">
               <a:rPr lang="en-US" smtClean="0"/>
-              <a:t>1/8/2021</a:t>
+              <a:t>1/11/2021</a:t>
             </a:fld>
             <a:endParaRPr lang="en-US"/>
           </a:p>
@@ -1607,7 +1608,7 @@
           <a:p>
             <a:fld id="{E22BAAF1-9023-4196-882B-DE3CB718BF0A}" type="datetimeFigureOut">
               <a:rPr lang="en-US" smtClean="0"/>
-              <a:t>1/8/2021</a:t>
+              <a:t>1/11/2021</a:t>
             </a:fld>
             <a:endParaRPr lang="en-US"/>
           </a:p>
@@ -1725,7 +1726,7 @@
           <a:p>
             <a:fld id="{E22BAAF1-9023-4196-882B-DE3CB718BF0A}" type="datetimeFigureOut">
               <a:rPr lang="en-US" smtClean="0"/>
-              <a:t>1/8/2021</a:t>
+              <a:t>1/11/2021</a:t>
             </a:fld>
             <a:endParaRPr lang="en-US"/>
           </a:p>
@@ -1820,7 +1821,7 @@
           <a:p>
             <a:fld id="{E22BAAF1-9023-4196-882B-DE3CB718BF0A}" type="datetimeFigureOut">
               <a:rPr lang="en-US" smtClean="0"/>
-              <a:t>1/8/2021</a:t>
+              <a:t>1/11/2021</a:t>
             </a:fld>
             <a:endParaRPr lang="en-US"/>
           </a:p>
@@ -2097,7 +2098,7 @@
           <a:p>
             <a:fld id="{E22BAAF1-9023-4196-882B-DE3CB718BF0A}" type="datetimeFigureOut">
               <a:rPr lang="en-US" smtClean="0"/>
-              <a:t>1/8/2021</a:t>
+              <a:t>1/11/2021</a:t>
             </a:fld>
             <a:endParaRPr lang="en-US"/>
           </a:p>
@@ -2354,7 +2355,7 @@
           <a:p>
             <a:fld id="{E22BAAF1-9023-4196-882B-DE3CB718BF0A}" type="datetimeFigureOut">
               <a:rPr lang="en-US" smtClean="0"/>
-              <a:t>1/8/2021</a:t>
+              <a:t>1/11/2021</a:t>
             </a:fld>
             <a:endParaRPr lang="en-US"/>
           </a:p>
@@ -2567,7 +2568,7 @@
           <a:p>
             <a:fld id="{E22BAAF1-9023-4196-882B-DE3CB718BF0A}" type="datetimeFigureOut">
               <a:rPr lang="en-US" smtClean="0"/>
-              <a:t>1/8/2021</a:t>
+              <a:t>1/11/2021</a:t>
             </a:fld>
             <a:endParaRPr lang="en-US"/>
           </a:p>
@@ -3185,6 +3186,101 @@
 </p:sld>
 </file>
 
+<file path=ppt/slides/slide3.xml><?xml version="1.0" encoding="utf-8"?>
+<p:sld xmlns:a="http://schemas.openxmlformats.org/drawingml/2006/main" xmlns:r="http://schemas.openxmlformats.org/officeDocument/2006/relationships" xmlns:p="http://schemas.openxmlformats.org/presentationml/2006/main">
+  <p:cSld>
+    <p:spTree>
+      <p:nvGrpSpPr>
+        <p:cNvPr id="1" name=""/>
+        <p:cNvGrpSpPr/>
+        <p:nvPr/>
+      </p:nvGrpSpPr>
+      <p:grpSpPr>
+        <a:xfrm>
+          <a:off x="0" y="0"/>
+          <a:ext cx="0" cy="0"/>
+          <a:chOff x="0" y="0"/>
+          <a:chExt cx="0" cy="0"/>
+        </a:xfrm>
+      </p:grpSpPr>
+      <p:sp>
+        <p:nvSpPr>
+          <p:cNvPr id="3" name="Rounded Rectangle 2"/>
+          <p:cNvSpPr/>
+          <p:nvPr/>
+        </p:nvSpPr>
+        <p:spPr>
+          <a:xfrm>
+            <a:off x="-74815" y="0"/>
+            <a:ext cx="6932815" cy="6858000"/>
+          </a:xfrm>
+          <a:prstGeom prst="roundRect">
+            <a:avLst>
+              <a:gd name="adj" fmla="val 0"/>
+            </a:avLst>
+          </a:prstGeom>
+          <a:blipFill dpi="0" rotWithShape="1">
+            <a:blip r:embed="rId2">
+              <a:extLst>
+                <a:ext uri="{BEBA8EAE-BF5A-486C-A8C5-ECC9F3942E4B}">
+                  <a14:imgProps xmlns:a14="http://schemas.microsoft.com/office/drawing/2010/main">
+                    <a14:imgLayer r:embed="rId3">
+                      <a14:imgEffect>
+                        <a14:colorTemperature colorTemp="5397"/>
+                      </a14:imgEffect>
+                    </a14:imgLayer>
+                  </a14:imgProps>
+                </a:ext>
+              </a:extLst>
+            </a:blip>
+            <a:srcRect/>
+            <a:stretch>
+              <a:fillRect/>
+            </a:stretch>
+          </a:blipFill>
+          <a:ln>
+            <a:noFill/>
+          </a:ln>
+          <a:effectLst/>
+        </p:spPr>
+        <p:style>
+          <a:lnRef idx="2">
+            <a:schemeClr val="accent1">
+              <a:shade val="50000"/>
+            </a:schemeClr>
+          </a:lnRef>
+          <a:fillRef idx="1">
+            <a:schemeClr val="accent1"/>
+          </a:fillRef>
+          <a:effectRef idx="0">
+            <a:schemeClr val="accent1"/>
+          </a:effectRef>
+          <a:fontRef idx="minor">
+            <a:schemeClr val="lt1"/>
+          </a:fontRef>
+        </p:style>
+        <p:txBody>
+          <a:bodyPr rtlCol="0" anchor="ctr"/>
+          <a:lstStyle/>
+          <a:p>
+            <a:pPr algn="ctr"/>
+            <a:endParaRPr lang="en-US"/>
+          </a:p>
+        </p:txBody>
+      </p:sp>
+    </p:spTree>
+    <p:extLst>
+      <p:ext uri="{BB962C8B-B14F-4D97-AF65-F5344CB8AC3E}">
+        <p14:creationId xmlns:p14="http://schemas.microsoft.com/office/powerpoint/2010/main" val="3825519888"/>
+      </p:ext>
+    </p:extLst>
+  </p:cSld>
+  <p:clrMapOvr>
+    <a:masterClrMapping/>
+  </p:clrMapOvr>
+</p:sld>
+</file>
+
 <file path=ppt/theme/theme1.xml><?xml version="1.0" encoding="utf-8"?>
 <a:theme xmlns:a="http://schemas.openxmlformats.org/drawingml/2006/main" name="Office Theme">
   <a:themeElements>
